--- a/files/TEI_Exercise_Puzzle.pptx
+++ b/files/TEI_Exercise_Puzzle.pptx
@@ -104,6 +104,11 @@
       </a:defRPr>
     </a:lvl9pPr>
   </p:defaultTextStyle>
+  <p:extLst>
+    <p:ext uri="{EFAFB233-063F-42B5-8137-9DF3F51BA10A}">
+      <p15:sldGuideLst xmlns:p15="http://schemas.microsoft.com/office/powerpoint/2012/main"/>
+    </p:ext>
+  </p:extLst>
 </p:presentation>
 </file>
 
@@ -254,7 +259,7 @@
           <a:p>
             <a:fld id="{D354A9E3-3354-EA4D-97CD-375695CDC335}" type="datetimeFigureOut">
               <a:rPr lang="en-GB" smtClean="0"/>
-              <a:t>20/02/2020</a:t>
+              <a:t>21/03/2020</a:t>
             </a:fld>
             <a:endParaRPr lang="en-GB"/>
           </a:p>
@@ -452,7 +457,7 @@
           <a:p>
             <a:fld id="{D354A9E3-3354-EA4D-97CD-375695CDC335}" type="datetimeFigureOut">
               <a:rPr lang="en-GB" smtClean="0"/>
-              <a:t>20/02/2020</a:t>
+              <a:t>21/03/2020</a:t>
             </a:fld>
             <a:endParaRPr lang="en-GB"/>
           </a:p>
@@ -660,7 +665,7 @@
           <a:p>
             <a:fld id="{D354A9E3-3354-EA4D-97CD-375695CDC335}" type="datetimeFigureOut">
               <a:rPr lang="en-GB" smtClean="0"/>
-              <a:t>20/02/2020</a:t>
+              <a:t>21/03/2020</a:t>
             </a:fld>
             <a:endParaRPr lang="en-GB"/>
           </a:p>
@@ -858,7 +863,7 @@
           <a:p>
             <a:fld id="{D354A9E3-3354-EA4D-97CD-375695CDC335}" type="datetimeFigureOut">
               <a:rPr lang="en-GB" smtClean="0"/>
-              <a:t>20/02/2020</a:t>
+              <a:t>21/03/2020</a:t>
             </a:fld>
             <a:endParaRPr lang="en-GB"/>
           </a:p>
@@ -1133,7 +1138,7 @@
           <a:p>
             <a:fld id="{D354A9E3-3354-EA4D-97CD-375695CDC335}" type="datetimeFigureOut">
               <a:rPr lang="en-GB" smtClean="0"/>
-              <a:t>20/02/2020</a:t>
+              <a:t>21/03/2020</a:t>
             </a:fld>
             <a:endParaRPr lang="en-GB"/>
           </a:p>
@@ -1398,7 +1403,7 @@
           <a:p>
             <a:fld id="{D354A9E3-3354-EA4D-97CD-375695CDC335}" type="datetimeFigureOut">
               <a:rPr lang="en-GB" smtClean="0"/>
-              <a:t>20/02/2020</a:t>
+              <a:t>21/03/2020</a:t>
             </a:fld>
             <a:endParaRPr lang="en-GB"/>
           </a:p>
@@ -1810,7 +1815,7 @@
           <a:p>
             <a:fld id="{D354A9E3-3354-EA4D-97CD-375695CDC335}" type="datetimeFigureOut">
               <a:rPr lang="en-GB" smtClean="0"/>
-              <a:t>20/02/2020</a:t>
+              <a:t>21/03/2020</a:t>
             </a:fld>
             <a:endParaRPr lang="en-GB"/>
           </a:p>
@@ -1951,7 +1956,7 @@
           <a:p>
             <a:fld id="{D354A9E3-3354-EA4D-97CD-375695CDC335}" type="datetimeFigureOut">
               <a:rPr lang="en-GB" smtClean="0"/>
-              <a:t>20/02/2020</a:t>
+              <a:t>21/03/2020</a:t>
             </a:fld>
             <a:endParaRPr lang="en-GB"/>
           </a:p>
@@ -2064,7 +2069,7 @@
           <a:p>
             <a:fld id="{D354A9E3-3354-EA4D-97CD-375695CDC335}" type="datetimeFigureOut">
               <a:rPr lang="en-GB" smtClean="0"/>
-              <a:t>20/02/2020</a:t>
+              <a:t>21/03/2020</a:t>
             </a:fld>
             <a:endParaRPr lang="en-GB"/>
           </a:p>
@@ -2375,7 +2380,7 @@
           <a:p>
             <a:fld id="{D354A9E3-3354-EA4D-97CD-375695CDC335}" type="datetimeFigureOut">
               <a:rPr lang="en-GB" smtClean="0"/>
-              <a:t>20/02/2020</a:t>
+              <a:t>21/03/2020</a:t>
             </a:fld>
             <a:endParaRPr lang="en-GB"/>
           </a:p>
@@ -2663,7 +2668,7 @@
           <a:p>
             <a:fld id="{D354A9E3-3354-EA4D-97CD-375695CDC335}" type="datetimeFigureOut">
               <a:rPr lang="en-GB" smtClean="0"/>
-              <a:t>20/02/2020</a:t>
+              <a:t>21/03/2020</a:t>
             </a:fld>
             <a:endParaRPr lang="en-GB"/>
           </a:p>
@@ -2904,7 +2909,7 @@
           <a:p>
             <a:fld id="{D354A9E3-3354-EA4D-97CD-375695CDC335}" type="datetimeFigureOut">
               <a:rPr lang="en-GB" smtClean="0"/>
-              <a:t>20/02/2020</a:t>
+              <a:t>21/03/2020</a:t>
             </a:fld>
             <a:endParaRPr lang="en-GB"/>
           </a:p>
@@ -3323,10 +3328,10 @@
       </p:grpSpPr>
       <p:pic>
         <p:nvPicPr>
-          <p:cNvPr id="5" name="Picture 4">
-            <a:extLst>
-              <a:ext uri="{FF2B5EF4-FFF2-40B4-BE49-F238E27FC236}">
-                <a16:creationId xmlns:a16="http://schemas.microsoft.com/office/drawing/2014/main" id="{261CE6A6-B73D-4B4A-B78B-EE9496ECD025}"/>
+          <p:cNvPr id="1113" name="Picture 1112">
+            <a:extLst>
+              <a:ext uri="{FF2B5EF4-FFF2-40B4-BE49-F238E27FC236}">
+                <a16:creationId xmlns:a16="http://schemas.microsoft.com/office/drawing/2014/main" id="{B320E466-3640-664A-81EC-89EB7215E4D3}"/>
               </a:ext>
             </a:extLst>
           </p:cNvPr>
@@ -3335,44 +3340,16 @@
           </p:cNvPicPr>
           <p:nvPr/>
         </p:nvPicPr>
-        <p:blipFill rotWithShape="1">
+        <p:blipFill>
           <a:blip r:embed="rId2"/>
-          <a:srcRect l="41577" t="18333" r="27035" b="14167"/>
-          <a:stretch/>
+          <a:stretch>
+            <a:fillRect/>
+          </a:stretch>
         </p:blipFill>
         <p:spPr>
           <a:xfrm>
-            <a:off x="-1" y="1587"/>
-            <a:ext cx="5269281" cy="6856413"/>
-          </a:xfrm>
-          <a:prstGeom prst="rect">
-            <a:avLst/>
-          </a:prstGeom>
-        </p:spPr>
-      </p:pic>
-      <p:pic>
-        <p:nvPicPr>
-          <p:cNvPr id="7" name="Picture 6">
-            <a:extLst>
-              <a:ext uri="{FF2B5EF4-FFF2-40B4-BE49-F238E27FC236}">
-                <a16:creationId xmlns:a16="http://schemas.microsoft.com/office/drawing/2014/main" id="{D4716F71-0E93-4747-AE8A-A55A118BD812}"/>
-              </a:ext>
-            </a:extLst>
-          </p:cNvPr>
-          <p:cNvPicPr>
-            <a:picLocks noChangeAspect="1"/>
-          </p:cNvPicPr>
-          <p:nvPr/>
-        </p:nvPicPr>
-        <p:blipFill rotWithShape="1">
-          <a:blip r:embed="rId3"/>
-          <a:srcRect l="41793" t="12295" r="26672" b="26234"/>
-          <a:stretch/>
-        </p:blipFill>
-        <p:spPr>
-          <a:xfrm>
-            <a:off x="5866410" y="368300"/>
-            <a:ext cx="5502535" cy="6489700"/>
+            <a:off x="843664" y="1867"/>
+            <a:ext cx="10503895" cy="6858000"/>
           </a:xfrm>
           <a:prstGeom prst="rect">
             <a:avLst/>
